--- a/Design Documents/_OldStuff/PresentationSoftEng.pptx
+++ b/Design Documents/_OldStuff/PresentationSoftEng.pptx
@@ -8,20 +8,21 @@
     <p:sldId id="256" r:id="rId2"/>
     <p:sldId id="257" r:id="rId3"/>
     <p:sldId id="258" r:id="rId4"/>
-    <p:sldId id="262" r:id="rId5"/>
-    <p:sldId id="261" r:id="rId6"/>
-    <p:sldId id="263" r:id="rId7"/>
-    <p:sldId id="271" r:id="rId8"/>
-    <p:sldId id="264" r:id="rId9"/>
-    <p:sldId id="270" r:id="rId10"/>
-    <p:sldId id="259" r:id="rId11"/>
-    <p:sldId id="266" r:id="rId12"/>
-    <p:sldId id="265" r:id="rId13"/>
-    <p:sldId id="268" r:id="rId14"/>
-    <p:sldId id="272" r:id="rId15"/>
-    <p:sldId id="269" r:id="rId16"/>
-    <p:sldId id="273" r:id="rId17"/>
-    <p:sldId id="267" r:id="rId18"/>
+    <p:sldId id="274" r:id="rId5"/>
+    <p:sldId id="262" r:id="rId6"/>
+    <p:sldId id="261" r:id="rId7"/>
+    <p:sldId id="263" r:id="rId8"/>
+    <p:sldId id="271" r:id="rId9"/>
+    <p:sldId id="264" r:id="rId10"/>
+    <p:sldId id="270" r:id="rId11"/>
+    <p:sldId id="259" r:id="rId12"/>
+    <p:sldId id="266" r:id="rId13"/>
+    <p:sldId id="265" r:id="rId14"/>
+    <p:sldId id="268" r:id="rId15"/>
+    <p:sldId id="272" r:id="rId16"/>
+    <p:sldId id="269" r:id="rId17"/>
+    <p:sldId id="273" r:id="rId18"/>
+    <p:sldId id="267" r:id="rId19"/>
   </p:sldIdLst>
   <p:sldSz cx="9144000" cy="6858000" type="screen4x3"/>
   <p:notesSz cx="6858000" cy="9144000"/>
@@ -4905,6 +4906,95 @@
           <a:chExt cx="0" cy="0"/>
         </a:xfrm>
       </p:grpSpPr>
+      <p:pic>
+        <p:nvPicPr>
+          <p:cNvPr id="4" name="Content Placeholder 3"/>
+          <p:cNvPicPr>
+            <a:picLocks noGrp="1" noChangeAspect="1"/>
+          </p:cNvPicPr>
+          <p:nvPr>
+            <p:ph idx="1"/>
+          </p:nvPr>
+        </p:nvPicPr>
+        <p:blipFill>
+          <a:blip r:embed="rId2">
+            <a:extLst>
+              <a:ext uri="{28A0092B-C50C-407E-A947-70E740481C1C}">
+                <a14:useLocalDpi xmlns:a14="http://schemas.microsoft.com/office/drawing/2010/main" val="0"/>
+              </a:ext>
+            </a:extLst>
+          </a:blip>
+          <a:stretch>
+            <a:fillRect/>
+          </a:stretch>
+        </p:blipFill>
+        <p:spPr>
+          <a:xfrm>
+            <a:off x="696351" y="766690"/>
+            <a:ext cx="2959675" cy="3341077"/>
+          </a:xfrm>
+        </p:spPr>
+      </p:pic>
+      <p:pic>
+        <p:nvPicPr>
+          <p:cNvPr id="5" name="Picture 4"/>
+          <p:cNvPicPr>
+            <a:picLocks noChangeAspect="1"/>
+          </p:cNvPicPr>
+          <p:nvPr/>
+        </p:nvPicPr>
+        <p:blipFill>
+          <a:blip r:embed="rId3">
+            <a:extLst>
+              <a:ext uri="{28A0092B-C50C-407E-A947-70E740481C1C}">
+                <a14:useLocalDpi xmlns:a14="http://schemas.microsoft.com/office/drawing/2010/main" val="0"/>
+              </a:ext>
+            </a:extLst>
+          </a:blip>
+          <a:stretch>
+            <a:fillRect/>
+          </a:stretch>
+        </p:blipFill>
+        <p:spPr>
+          <a:xfrm>
+            <a:off x="4475285" y="288387"/>
+            <a:ext cx="3390398" cy="3291840"/>
+          </a:xfrm>
+          <a:prstGeom prst="rect">
+            <a:avLst/>
+          </a:prstGeom>
+        </p:spPr>
+      </p:pic>
+    </p:spTree>
+    <p:extLst>
+      <p:ext uri="{BB962C8B-B14F-4D97-AF65-F5344CB8AC3E}">
+        <p14:creationId xmlns:p14="http://schemas.microsoft.com/office/powerpoint/2010/main" val="634212738"/>
+      </p:ext>
+    </p:extLst>
+  </p:cSld>
+  <p:clrMapOvr>
+    <a:masterClrMapping/>
+  </p:clrMapOvr>
+</p:sld>
+</file>
+
+<file path=ppt/slides/slide11.xml><?xml version="1.0" encoding="utf-8"?>
+<p:sld xmlns:a="http://schemas.openxmlformats.org/drawingml/2006/main" xmlns:r="http://schemas.openxmlformats.org/officeDocument/2006/relationships" xmlns:p="http://schemas.openxmlformats.org/presentationml/2006/main">
+  <p:cSld>
+    <p:spTree>
+      <p:nvGrpSpPr>
+        <p:cNvPr id="1" name=""/>
+        <p:cNvGrpSpPr/>
+        <p:nvPr/>
+      </p:nvGrpSpPr>
+      <p:grpSpPr>
+        <a:xfrm>
+          <a:off x="0" y="0"/>
+          <a:ext cx="0" cy="0"/>
+          <a:chOff x="0" y="0"/>
+          <a:chExt cx="0" cy="0"/>
+        </a:xfrm>
+      </p:grpSpPr>
       <p:sp>
         <p:nvSpPr>
           <p:cNvPr id="2" name="Title 1"/>
@@ -5033,7 +5123,7 @@
 </p:sld>
 </file>
 
-<file path=ppt/slides/slide11.xml><?xml version="1.0" encoding="utf-8"?>
+<file path=ppt/slides/slide12.xml><?xml version="1.0" encoding="utf-8"?>
 <p:sld xmlns:a="http://schemas.openxmlformats.org/drawingml/2006/main" xmlns:r="http://schemas.openxmlformats.org/officeDocument/2006/relationships" xmlns:p="http://schemas.openxmlformats.org/presentationml/2006/main">
   <p:cSld>
     <p:spTree>
@@ -5168,7 +5258,7 @@
 </p:sld>
 </file>
 
-<file path=ppt/slides/slide12.xml><?xml version="1.0" encoding="utf-8"?>
+<file path=ppt/slides/slide13.xml><?xml version="1.0" encoding="utf-8"?>
 <p:sld xmlns:a="http://schemas.openxmlformats.org/drawingml/2006/main" xmlns:r="http://schemas.openxmlformats.org/officeDocument/2006/relationships" xmlns:p="http://schemas.openxmlformats.org/presentationml/2006/main">
   <p:cSld>
     <p:spTree>
@@ -5227,7 +5317,7 @@
 </p:sld>
 </file>
 
-<file path=ppt/slides/slide13.xml><?xml version="1.0" encoding="utf-8"?>
+<file path=ppt/slides/slide14.xml><?xml version="1.0" encoding="utf-8"?>
 <p:sld xmlns:a="http://schemas.openxmlformats.org/drawingml/2006/main" xmlns:r="http://schemas.openxmlformats.org/officeDocument/2006/relationships" xmlns:p="http://schemas.openxmlformats.org/presentationml/2006/main">
   <p:cSld>
     <p:spTree>
@@ -5340,7 +5430,7 @@
 </p:sld>
 </file>
 
-<file path=ppt/slides/slide14.xml><?xml version="1.0" encoding="utf-8"?>
+<file path=ppt/slides/slide15.xml><?xml version="1.0" encoding="utf-8"?>
 <p:sld xmlns:a="http://schemas.openxmlformats.org/drawingml/2006/main" xmlns:r="http://schemas.openxmlformats.org/officeDocument/2006/relationships" xmlns:p="http://schemas.openxmlformats.org/presentationml/2006/main">
   <p:cSld>
     <p:spTree>
@@ -5429,7 +5519,7 @@
 </p:sld>
 </file>
 
-<file path=ppt/slides/slide15.xml><?xml version="1.0" encoding="utf-8"?>
+<file path=ppt/slides/slide16.xml><?xml version="1.0" encoding="utf-8"?>
 <p:sld xmlns:a="http://schemas.openxmlformats.org/drawingml/2006/main" xmlns:r="http://schemas.openxmlformats.org/officeDocument/2006/relationships" xmlns:p="http://schemas.openxmlformats.org/presentationml/2006/main">
   <p:cSld>
     <p:spTree>
@@ -5511,7 +5601,7 @@
 </p:sld>
 </file>
 
-<file path=ppt/slides/slide16.xml><?xml version="1.0" encoding="utf-8"?>
+<file path=ppt/slides/slide17.xml><?xml version="1.0" encoding="utf-8"?>
 <p:sld xmlns:a="http://schemas.openxmlformats.org/drawingml/2006/main" xmlns:r="http://schemas.openxmlformats.org/officeDocument/2006/relationships" xmlns:p="http://schemas.openxmlformats.org/presentationml/2006/main">
   <p:cSld>
     <p:spTree>
@@ -5648,7 +5738,7 @@
 </p:sld>
 </file>
 
-<file path=ppt/slides/slide17.xml><?xml version="1.0" encoding="utf-8"?>
+<file path=ppt/slides/slide18.xml><?xml version="1.0" encoding="utf-8"?>
 <p:sld xmlns:a="http://schemas.openxmlformats.org/drawingml/2006/main" xmlns:r="http://schemas.openxmlformats.org/officeDocument/2006/relationships" xmlns:p="http://schemas.openxmlformats.org/presentationml/2006/main">
   <p:cSld>
     <p:spTree>
@@ -6058,6 +6148,65 @@
       </p:grpSpPr>
       <p:pic>
         <p:nvPicPr>
+          <p:cNvPr id="4" name="Content Placeholder 3"/>
+          <p:cNvPicPr>
+            <a:picLocks noGrp="1" noChangeAspect="1"/>
+          </p:cNvPicPr>
+          <p:nvPr>
+            <p:ph idx="1"/>
+          </p:nvPr>
+        </p:nvPicPr>
+        <p:blipFill>
+          <a:blip r:embed="rId2" cstate="email">
+            <a:extLst>
+              <a:ext uri="{28A0092B-C50C-407E-A947-70E740481C1C}">
+                <a14:useLocalDpi xmlns:a14="http://schemas.microsoft.com/office/drawing/2010/main" val="0"/>
+              </a:ext>
+            </a:extLst>
+          </a:blip>
+          <a:stretch>
+            <a:fillRect/>
+          </a:stretch>
+        </p:blipFill>
+        <p:spPr>
+          <a:xfrm>
+            <a:off x="2166425" y="210884"/>
+            <a:ext cx="4821441" cy="6485337"/>
+          </a:xfrm>
+        </p:spPr>
+      </p:pic>
+    </p:spTree>
+    <p:extLst>
+      <p:ext uri="{BB962C8B-B14F-4D97-AF65-F5344CB8AC3E}">
+        <p14:creationId xmlns:p14="http://schemas.microsoft.com/office/powerpoint/2010/main" val="2078493191"/>
+      </p:ext>
+    </p:extLst>
+  </p:cSld>
+  <p:clrMapOvr>
+    <a:masterClrMapping/>
+  </p:clrMapOvr>
+</p:sld>
+</file>
+
+<file path=ppt/slides/slide5.xml><?xml version="1.0" encoding="utf-8"?>
+<p:sld xmlns:a="http://schemas.openxmlformats.org/drawingml/2006/main" xmlns:r="http://schemas.openxmlformats.org/officeDocument/2006/relationships" xmlns:p="http://schemas.openxmlformats.org/presentationml/2006/main">
+  <p:cSld>
+    <p:spTree>
+      <p:nvGrpSpPr>
+        <p:cNvPr id="1" name=""/>
+        <p:cNvGrpSpPr/>
+        <p:nvPr/>
+      </p:nvGrpSpPr>
+      <p:grpSpPr>
+        <a:xfrm>
+          <a:off x="0" y="0"/>
+          <a:ext cx="0" cy="0"/>
+          <a:chOff x="0" y="0"/>
+          <a:chExt cx="0" cy="0"/>
+        </a:xfrm>
+      </p:grpSpPr>
+      <p:pic>
+        <p:nvPicPr>
           <p:cNvPr id="4" name="Content Placeholder 3" descr="_waitress.jpg"/>
           <p:cNvPicPr>
             <a:picLocks noChangeAspect="1"/>
@@ -6129,7 +6278,7 @@
 </p:sld>
 </file>
 
-<file path=ppt/slides/slide5.xml><?xml version="1.0" encoding="utf-8"?>
+<file path=ppt/slides/slide6.xml><?xml version="1.0" encoding="utf-8"?>
 <p:sld xmlns:a="http://schemas.openxmlformats.org/drawingml/2006/main" xmlns:r="http://schemas.openxmlformats.org/officeDocument/2006/relationships" xmlns:p="http://schemas.openxmlformats.org/presentationml/2006/main">
   <p:cSld>
     <p:spTree>
@@ -6251,7 +6400,7 @@
 </p:sld>
 </file>
 
-<file path=ppt/slides/slide6.xml><?xml version="1.0" encoding="utf-8"?>
+<file path=ppt/slides/slide7.xml><?xml version="1.0" encoding="utf-8"?>
 <p:sld xmlns:a="http://schemas.openxmlformats.org/drawingml/2006/main" xmlns:r="http://schemas.openxmlformats.org/officeDocument/2006/relationships" xmlns:p="http://schemas.openxmlformats.org/presentationml/2006/main">
   <p:cSld>
     <p:spTree>
@@ -6364,7 +6513,7 @@
 </p:sld>
 </file>
 
-<file path=ppt/slides/slide7.xml><?xml version="1.0" encoding="utf-8"?>
+<file path=ppt/slides/slide8.xml><?xml version="1.0" encoding="utf-8"?>
 <p:sld xmlns:a="http://schemas.openxmlformats.org/drawingml/2006/main" xmlns:r="http://schemas.openxmlformats.org/officeDocument/2006/relationships" xmlns:p="http://schemas.openxmlformats.org/presentationml/2006/main">
   <p:cSld>
     <p:spTree>
@@ -6423,7 +6572,7 @@
 </p:sld>
 </file>
 
-<file path=ppt/slides/slide8.xml><?xml version="1.0" encoding="utf-8"?>
+<file path=ppt/slides/slide9.xml><?xml version="1.0" encoding="utf-8"?>
 <p:sld xmlns:a="http://schemas.openxmlformats.org/drawingml/2006/main" xmlns:r="http://schemas.openxmlformats.org/officeDocument/2006/relationships" xmlns:p="http://schemas.openxmlformats.org/presentationml/2006/main">
   <p:cSld>
     <p:spTree>
@@ -6473,95 +6622,6 @@
     <p:extLst>
       <p:ext uri="{BB962C8B-B14F-4D97-AF65-F5344CB8AC3E}">
         <p14:creationId xmlns:p14="http://schemas.microsoft.com/office/powerpoint/2010/main" val="3188030832"/>
-      </p:ext>
-    </p:extLst>
-  </p:cSld>
-  <p:clrMapOvr>
-    <a:masterClrMapping/>
-  </p:clrMapOvr>
-</p:sld>
-</file>
-
-<file path=ppt/slides/slide9.xml><?xml version="1.0" encoding="utf-8"?>
-<p:sld xmlns:a="http://schemas.openxmlformats.org/drawingml/2006/main" xmlns:r="http://schemas.openxmlformats.org/officeDocument/2006/relationships" xmlns:p="http://schemas.openxmlformats.org/presentationml/2006/main">
-  <p:cSld>
-    <p:spTree>
-      <p:nvGrpSpPr>
-        <p:cNvPr id="1" name=""/>
-        <p:cNvGrpSpPr/>
-        <p:nvPr/>
-      </p:nvGrpSpPr>
-      <p:grpSpPr>
-        <a:xfrm>
-          <a:off x="0" y="0"/>
-          <a:ext cx="0" cy="0"/>
-          <a:chOff x="0" y="0"/>
-          <a:chExt cx="0" cy="0"/>
-        </a:xfrm>
-      </p:grpSpPr>
-      <p:pic>
-        <p:nvPicPr>
-          <p:cNvPr id="4" name="Content Placeholder 3"/>
-          <p:cNvPicPr>
-            <a:picLocks noGrp="1" noChangeAspect="1"/>
-          </p:cNvPicPr>
-          <p:nvPr>
-            <p:ph idx="1"/>
-          </p:nvPr>
-        </p:nvPicPr>
-        <p:blipFill>
-          <a:blip r:embed="rId2">
-            <a:extLst>
-              <a:ext uri="{28A0092B-C50C-407E-A947-70E740481C1C}">
-                <a14:useLocalDpi xmlns:a14="http://schemas.microsoft.com/office/drawing/2010/main" val="0"/>
-              </a:ext>
-            </a:extLst>
-          </a:blip>
-          <a:stretch>
-            <a:fillRect/>
-          </a:stretch>
-        </p:blipFill>
-        <p:spPr>
-          <a:xfrm>
-            <a:off x="696351" y="766690"/>
-            <a:ext cx="2959675" cy="3341077"/>
-          </a:xfrm>
-        </p:spPr>
-      </p:pic>
-      <p:pic>
-        <p:nvPicPr>
-          <p:cNvPr id="5" name="Picture 4"/>
-          <p:cNvPicPr>
-            <a:picLocks noChangeAspect="1"/>
-          </p:cNvPicPr>
-          <p:nvPr/>
-        </p:nvPicPr>
-        <p:blipFill>
-          <a:blip r:embed="rId3">
-            <a:extLst>
-              <a:ext uri="{28A0092B-C50C-407E-A947-70E740481C1C}">
-                <a14:useLocalDpi xmlns:a14="http://schemas.microsoft.com/office/drawing/2010/main" val="0"/>
-              </a:ext>
-            </a:extLst>
-          </a:blip>
-          <a:stretch>
-            <a:fillRect/>
-          </a:stretch>
-        </p:blipFill>
-        <p:spPr>
-          <a:xfrm>
-            <a:off x="4475285" y="288387"/>
-            <a:ext cx="3390398" cy="3291840"/>
-          </a:xfrm>
-          <a:prstGeom prst="rect">
-            <a:avLst/>
-          </a:prstGeom>
-        </p:spPr>
-      </p:pic>
-    </p:spTree>
-    <p:extLst>
-      <p:ext uri="{BB962C8B-B14F-4D97-AF65-F5344CB8AC3E}">
-        <p14:creationId xmlns:p14="http://schemas.microsoft.com/office/powerpoint/2010/main" val="634212738"/>
       </p:ext>
     </p:extLst>
   </p:cSld>
